--- a/2026-02-18/report_2026-02-18.pptx
+++ b/2026-02-18/report_2026-02-18.pptx
@@ -5684,7 +5684,7 @@
               </a:defRPr>
             </a:pPr>
             <a:r>
-              <a:t>► CNBC: https://www.cnbc.com/2026/02/17/render-raises-100-million-at-1point5-billion-valuation.html</a:t>
+              <a:t>► CNBC: https://www.cnbc.com/2026/02/11/mistral-ai-infrastructure-sweden.html</a:t>
             </a:r>
           </a:p>
           <a:p>
@@ -5700,7 +5700,7 @@
               </a:defRPr>
             </a:pPr>
             <a:r>
-              <a:t>► CNBC: https://www.cnbc.com/2026/02/15/openclaw-creator-peter-steinberger-joining-openai-altman-says.html</a:t>
+              <a:t>► Axios: https://www.axios.com/2026/02/16/anthropic-defense-department-relationship-hegseth</a:t>
             </a:r>
           </a:p>
           <a:p>
@@ -5716,7 +5716,7 @@
               </a:defRPr>
             </a:pPr>
             <a:r>
-              <a:t>► TechCrunch: https://techcrunch.com/2026/02/16/all-the-important-news-from-the-ongoing-india-ai-summit/</a:t>
+              <a:t>► CNBC: https://www.cnbc.com/2026/02/17/render-raises-100-million-at-1point5-billion-valuation.html</a:t>
             </a:r>
           </a:p>
           <a:p>
@@ -5732,7 +5732,7 @@
               </a:defRPr>
             </a:pPr>
             <a:r>
-              <a:t>► Axios: https://www.axios.com/2026/02/12/ai-openai-agi-xai-doomsday-scenario</a:t>
+              <a:t>► Robotics &amp; Automation News: https://roboticsandautomationnews.com/2026/02/12/apptronik-nears-1-billion-in-funding-with-520-million-extension-to-series-a-round/98897/</a:t>
             </a:r>
           </a:p>
           <a:p>
@@ -5748,7 +5748,7 @@
               </a:defRPr>
             </a:pPr>
             <a:r>
-              <a:t>► Robotics &amp; Automation News: https://roboticsandautomationnews.com/2026/02/12/apptronik-nears-1-billion-in-funding-with-520-million-extension-to-series-a-round/98897/</a:t>
+              <a:t>► CNBC: https://www.cnbc.com/2026/02/15/openclaw-creator-peter-steinberger-joining-openai-altman-says.html</a:t>
             </a:r>
           </a:p>
         </p:txBody>
@@ -5797,7 +5797,7 @@
               </a:defRPr>
             </a:pPr>
             <a:r>
-              <a:t>► CNBC: https://www.cnbc.com/2026/02/11/mistral-ai-infrastructure-sweden.html</a:t>
+              <a:t>► Axios: https://www.axios.com/2026/02/12/ai-openai-agi-xai-doomsday-scenario</a:t>
             </a:r>
           </a:p>
           <a:p>
@@ -5813,7 +5813,7 @@
               </a:defRPr>
             </a:pPr>
             <a:r>
-              <a:t>► Axios: https://www.axios.com/2026/02/16/anthropic-defense-department-relationship-hegseth</a:t>
+              <a:t>► TechCrunch: https://techcrunch.com/2026/02/16/all-the-important-news-from-the-ongoing-india-ai-summit/</a:t>
             </a:r>
           </a:p>
           <a:p>
@@ -5829,7 +5829,7 @@
               </a:defRPr>
             </a:pPr>
             <a:r>
-              <a:t>► TechCrunch: https://techcrunch.com/2026/02/13/coheres-240m-year-sets-stage-for-ipo/</a:t>
+              <a:t>► AP News: https://apnews.com/article/anthropic-claude-380b-valuation-openai-rivalry-ipo-65c08aa4fab90cde952f37d32625394a</a:t>
             </a:r>
           </a:p>
           <a:p>
@@ -5845,7 +5845,7 @@
               </a:defRPr>
             </a:pPr>
             <a:r>
-              <a:t>► AP News: https://apnews.com/article/anthropic-claude-380b-valuation-openai-rivalry-ipo-65c08aa4fab90cde952f37d32625394a</a:t>
+              <a:t>► TechCrunch: https://techcrunch.com/2026/02/13/coheres-240m-year-sets-stage-for-ipo/</a:t>
             </a:r>
           </a:p>
           <a:p>
@@ -13454,7 +13454,7 @@
         </p:spPr>
         <p:txBody>
           <a:bodyPr wrap="square">
-            <a:normAutofit/>
+            <a:spAutoFit/>
           </a:bodyPr>
           <a:lstStyle/>
           <a:p>
@@ -13467,7 +13467,7 @@
               </a:defRPr>
             </a:pPr>
             <a:r>
-              <a:t>EU AI infrastructure market での power balance shift。従来 Microsoft-OpenAI・Google が EU data center market を支配（60-70% market share）。Mistral の€1.2B investment により、『EU-native AI infrastructure』として 10-15% mar...</a:t>
+              <a:t>EU AI infrastructure market での power balance shift。従来 Microsoft-OpenAI・Google が EU データセンター market を支...</a:t>
             </a:r>
           </a:p>
         </p:txBody>
@@ -13930,7 +13930,7 @@
         </p:spPr>
         <p:txBody>
           <a:bodyPr wrap="square">
-            <a:normAutofit/>
+            <a:spAutoFit/>
           </a:bodyPr>
           <a:lstStyle/>
           <a:p>
@@ -13943,7 +13943,7 @@
               </a:defRPr>
             </a:pPr>
             <a:r>
-              <a:t>AI infrastructure market の『horizontal vs vertical』分岐が顕在化。Foundation model providers（OpenAI・Anthropic・Google）は training・fine-tuning に特化。一方，specialized infrastructure providers（Modal Labs・Baseten・Render...</a:t>
+              <a:t>AI infrastructure market の『horizontal vs vertical』分岐が顕在化。Foundation model providers（OpenAI・Anthropic...</a:t>
             </a:r>
           </a:p>
         </p:txBody>
@@ -14406,7 +14406,7 @@
         </p:spPr>
         <p:txBody>
           <a:bodyPr wrap="square">
-            <a:normAutofit/>
+            <a:spAutoFit/>
           </a:bodyPr>
           <a:lstStyle/>
           <a:p>
@@ -14419,7 +14419,7 @@
               </a:defRPr>
             </a:pPr>
             <a:r>
-              <a:t>OpenAI の AI agent 競争力が向上。エンタープライズ向けワークフロー自動化市場での OpenAI vs Anthropic の直接対抗が激化。AI agent framework のスタンダード化へ向け，open-source vs proprietary の攻防が本格化。Modal Labs・Baseten 等の AI inference 企業も agent execution p...</a:t>
+              <a:t>OpenAI の AI agent 競争力が向上。エンタープライズ向けワークフロー自動化市場での OpenAI vs Anthropic の直接対抗が激化。AI agent framework のスタ...</a:t>
             </a:r>
           </a:p>
         </p:txBody>
@@ -15058,7 +15058,7 @@
         </p:spPr>
         <p:txBody>
           <a:bodyPr wrap="square">
-            <a:normAutofit/>
+            <a:spAutoFit/>
           </a:bodyPr>
           <a:lstStyle/>
           <a:p>
@@ -15071,7 +15071,7 @@
               </a:defRPr>
             </a:pPr>
             <a:r>
-              <a:t>AI-generated code market の『deployment layer』で新市場創出。Vercel・Netlify・AWS Amplify との market share 競争激化。特に『casual developer』（non-technical founder）向けの市場で Render が優位。OpenAI Codex users（推定 100M+ users）の 5-10...</a:t>
+              <a:t>AI-generated code market の『デプロイメント layer』で新市場創出。Vercel・Netlify・AWS Amplify との 市場シェア 競争激化。特に『casual d...</a:t>
             </a:r>
           </a:p>
         </p:txBody>
@@ -15570,7 +15570,7 @@
         </p:spPr>
         <p:txBody>
           <a:bodyPr wrap="square">
-            <a:normAutofit/>
+            <a:spAutoFit/>
           </a:bodyPr>
           <a:lstStyle/>
           <a:p>
@@ -15583,7 +15583,7 @@
               </a:defRPr>
             </a:pPr>
             <a:r>
-              <a:t>Anthropic の $380B valuation は『AI safety positioning』に大きく依存。Pentagon supply chain risk 指定は、この『differentiation』を奪う。IPO前のこの時点での政治的攻撃は strategic。Hegseth（Trump admin の『pro-AI autonomy』の military hawk）による A...</a:t>
+              <a:t>Anthropic の $380B valuation は『AI safety ポジショニング』に大きく依存。Pentagon サプライチェーン risk 指定は、この『differentiation...</a:t>
             </a:r>
           </a:p>
         </p:txBody>
@@ -16082,7 +16082,7 @@
         </p:spPr>
         <p:txBody>
           <a:bodyPr wrap="square">
-            <a:normAutofit/>
+            <a:spAutoFit/>
           </a:bodyPr>
           <a:lstStyle/>
           <a:p>
@@ -16095,7 +16095,7 @@
               </a:defRPr>
             </a:pPr>
             <a:r>
-              <a:t>Indiaq市場での AI infrastructure sovereignty 確立。従来 AWS・Google Cloud・Azure が 80%+ market share。Blackstone-Neysa により，『Indian-hosted compute』の viable alternative 登場。OpenAI等の global AI companies は India marke...</a:t>
+              <a:t>Indiaq市場での AI infrastructure sovereignty 確立。従来 AWS・Google Cloud・Azure が 80%+ 市場シェア。Blackstone-Neysa ...</a:t>
             </a:r>
           </a:p>
         </p:txBody>
@@ -16343,7 +16343,7 @@
               </a:defRPr>
             </a:pPr>
             <a:r>
-              <a:t>グローバル AI 市場は 2026年2月時点で『IPO・M&amp;A前夜の mega-funding phase』に突入。米国では OpenAI（$500B）・Anthropic（$380B）の『ユニコーン二強』が確定的になり，xAI・SpaceX との三強構造確立。同時に，modal-specific companies（ElevenLabs音声・SkildAIロボティクス・Modal Labs推論・Render クラウド）のシリーズ資金調達ラッシュで，『AI infrastructure stack』の多層化が顕在化。欧州では Mistral AI が€1.2B スウェーデン投資で『EU技術主権』戦略を本格化。米国依存を脱する独立インフラ構築は，地政学的には Google・Microsoft・AWS への市場競争複雑化をもたらす。中国・アジアではインド政府が Blackstone-Neysa</a:t>
+              <a:t>グローバル AI 市場は 2026年2月時点で『IPO・M&amp;A前夜の 大型資金調達フェーズ』に突入。米国では OpenAI（$500B）・Anthropic（$380B）の『ユニコーン二強』が確定的になり，xAI・SpaceX との三強構造確立。同時に，モダリティ特化企業（ElevenLabs音声・SkildAIロボティクス・Modal Labs推論・Render クラウド）のシリーズ資金調達ラッシュで，『AIインフラ基盤』の多層化が顕在化。欧州では Mistral AI が€1.2B スウェーデン投資で『EU技術主権』戦略を本格化。米国依存を脱する独立インフラ構築は，地政学的には Google・Microsoft・AWS への市場競争複雑化をもたらす。中国・アジアではインド政府が Blackstone-Neysa の $600M投資で『学習拠点』として ポジショニング。ChatGPT の</a:t>
             </a:r>
           </a:p>
         </p:txBody>
@@ -16824,7 +16824,7 @@
               </a:defRPr>
             </a:pPr>
             <a:r>
-              <a:t>Pentagon vs Anthropic 対立が『supply chain risk』政治手段化。AI companies の『principle-driven business decision』が政府圧力で reversible を示唆。Defense・...</a:t>
+              <a:t>Pentagon vs Anthropic 対立が『サプライチェーン risk』政治手段化。AI companies の『principle-driven business decision』が政府圧力で reversible を示唆。Defense・Inte...</a:t>
             </a:r>
           </a:p>
         </p:txBody>
@@ -17025,7 +17025,7 @@
               </a:defRPr>
             </a:pPr>
             <a:r>
-              <a:t>Mistral€1.2B投資による『EU AI infrastructure sovereign』実現が，Microsoft・Google・AWS の EU market share競争を複雑化。地政学的『AI decoupling』が training・in...</a:t>
+              <a:t>Mistral€1.2B投資による『EU AI infrastructure sovereign』実現が，Microsoft・Google・AWS の EU 市場シェア競争を複雑化。地政学的『AI decoupling』が training・inference...</a:t>
             </a:r>
           </a:p>
         </p:txBody>
@@ -17427,7 +17427,7 @@
               </a:defRPr>
             </a:pPr>
             <a:r>
-              <a:t>AI safety advocates の『existential threat』警告が『regulatory bill』『mandatory compliance』へ escalate。2026年 Q2-Q4 の AI regulation surge（US...</a:t>
+              <a:t>AI safety advocates の『existential threat』警告が『regulatory bill』『mandatory コンプライアンス』へ escalate。2026年 Q2-Q4 の AI regulation surge（US f...</a:t>
             </a:r>
           </a:p>
         </p:txBody>
@@ -18084,7 +18084,7 @@
               </a:defRPr>
             </a:pPr>
             <a:r>
-              <a:t>大手テック企業（Sony・Toyota・NTT等）の『proprietary AI model development』投資が激化。Global competitors（OpenAI・Google）の『Japan market price compression』に対抗。2026...</a:t>
+              <a:t>大手テック企業（Sony・Toyota・NTT等）の『自社AI開発』投資が激化。Global competitors（OpenAI・Google）の『Japan market price compression』に対抗。2026年内に複数の『Japan-centric AI mo...</a:t>
             </a:r>
           </a:p>
         </p:txBody>
@@ -18486,7 +18486,7 @@
               </a:defRPr>
             </a:pPr>
             <a:r>
-              <a:t>Data center・cloud infrastructure costs の『global bottleneck波及』。AWS・Azure Japan region での『power demand surge』による『price increase』予想（2026年Q2-Q4で...</a:t>
+              <a:t>Data center・cloud infrastructure costs の『世界的なボトルネック波及』。AWS・Azure Japan region での『power demand surge』による『price increase』予想（2026年Q2-Q4で 5-15% ...</a:t>
             </a:r>
           </a:p>
         </p:txBody>
@@ -18687,7 +18687,7 @@
               </a:defRPr>
             </a:pPr>
             <a:r>
-              <a:t>『AI regulation対応』の corporate cost increase。Japan政府が『AI ethics・transparency・accountability』要件の『voluntary guideline』作成中（2026年Q2-Q3 expected）。c...</a:t>
+              <a:t>『AI regulation対応』の corporate cost increase。Japan政府が『AI ethics・transparency・accountability』要件の『voluntary guideline』作成中（2026年Q2-Q3 expected）。コ...</a:t>
             </a:r>
           </a:p>
         </p:txBody>
@@ -18928,7 +18928,7 @@
               </a:defRPr>
             </a:pPr>
             <a:r>
-              <a:t>金融機関・大手企業のCTO・CDO層は『ChatGPT・Claude・Gemini』の『enterprise deployment evaluation』を 2026年Q2 中に完了。特に『data security・compliance・cost control』の frame...</a:t>
+              <a:t>金融機関・大手企業のCTO・CDO層は『ChatGPT・Claude・Gemini』の『enterprise デプロイメント evaluation』を 2026年Q2 中に完了。特に『data security・コンプライアンス・cost control』の framework ...</a:t>
             </a:r>
           </a:p>
         </p:txBody>
